--- a/ppt 16-9/1125.预备被提.pptx
+++ b/ppt 16-9/1125.预备被提.pptx
@@ -129,7 +129,7 @@
           <p:cNvPr id="2" name="标题 1">
             <a:extLst>
               <a:ext uri="{FF2B5EF4-FFF2-40B4-BE49-F238E27FC236}">
-                <a16:creationId xmlns:a16="http://schemas.microsoft.com/office/drawing/2014/main" id="{1663DB2E-985C-9969-A59D-11DDDA004037}"/>
+                <a16:creationId xmlns:a16="http://schemas.microsoft.com/office/drawing/2014/main" id="{2FDDC756-6C3B-897A-637F-DF28EC33E717}"/>
               </a:ext>
             </a:extLst>
           </p:cNvPr>
@@ -166,7 +166,7 @@
           <p:cNvPr id="3" name="副标题 2">
             <a:extLst>
               <a:ext uri="{FF2B5EF4-FFF2-40B4-BE49-F238E27FC236}">
-                <a16:creationId xmlns:a16="http://schemas.microsoft.com/office/drawing/2014/main" id="{B5B91036-A59F-811F-7174-1B5291F48CD1}"/>
+                <a16:creationId xmlns:a16="http://schemas.microsoft.com/office/drawing/2014/main" id="{E0F91DA8-F4D8-81DF-2FDD-5C87896CDA01}"/>
               </a:ext>
             </a:extLst>
           </p:cNvPr>
@@ -236,7 +236,7 @@
           <p:cNvPr id="4" name="日期占位符 3">
             <a:extLst>
               <a:ext uri="{FF2B5EF4-FFF2-40B4-BE49-F238E27FC236}">
-                <a16:creationId xmlns:a16="http://schemas.microsoft.com/office/drawing/2014/main" id="{445E2A6C-0468-31DC-2689-C746602FCBAD}"/>
+                <a16:creationId xmlns:a16="http://schemas.microsoft.com/office/drawing/2014/main" id="{CDC193D6-B4DD-9A56-4C78-387EA75AAE0C}"/>
               </a:ext>
             </a:extLst>
           </p:cNvPr>
@@ -252,7 +252,7 @@
           <a:bodyPr/>
           <a:lstStyle/>
           <a:p>
-            <a:fld id="{DFAF6C57-A42D-42A8-A8AB-601BEA2D9371}" type="datetimeFigureOut">
+            <a:fld id="{DDB01F30-2AB7-48BE-98E3-873F98167C8D}" type="datetimeFigureOut">
               <a:rPr lang="zh-CN" altLang="en-US" smtClean="0"/>
               <a:t>2024/3/10</a:t>
             </a:fld>
@@ -265,7 +265,7 @@
           <p:cNvPr id="5" name="页脚占位符 4">
             <a:extLst>
               <a:ext uri="{FF2B5EF4-FFF2-40B4-BE49-F238E27FC236}">
-                <a16:creationId xmlns:a16="http://schemas.microsoft.com/office/drawing/2014/main" id="{B2B5930C-EBA4-C39A-DB7B-1D617FFFDA53}"/>
+                <a16:creationId xmlns:a16="http://schemas.microsoft.com/office/drawing/2014/main" id="{EE4B1509-4390-5222-B5A9-E32D2395382D}"/>
               </a:ext>
             </a:extLst>
           </p:cNvPr>
@@ -290,7 +290,7 @@
           <p:cNvPr id="6" name="灯片编号占位符 5">
             <a:extLst>
               <a:ext uri="{FF2B5EF4-FFF2-40B4-BE49-F238E27FC236}">
-                <a16:creationId xmlns:a16="http://schemas.microsoft.com/office/drawing/2014/main" id="{46C09F41-3302-EA37-9B9C-E338670472C7}"/>
+                <a16:creationId xmlns:a16="http://schemas.microsoft.com/office/drawing/2014/main" id="{415587D9-6CC3-DA52-DC7C-58468C0C9D35}"/>
               </a:ext>
             </a:extLst>
           </p:cNvPr>
@@ -306,7 +306,7 @@
           <a:bodyPr/>
           <a:lstStyle/>
           <a:p>
-            <a:fld id="{47D875FA-7CC1-4589-BD69-7A01DA734D66}" type="slidenum">
+            <a:fld id="{49FC9423-5997-4C44-B05B-DBEA3970A78E}" type="slidenum">
               <a:rPr lang="zh-CN" altLang="en-US" smtClean="0"/>
               <a:t>‹#›</a:t>
             </a:fld>
@@ -317,7 +317,7 @@
     </p:spTree>
     <p:extLst>
       <p:ext uri="{BB962C8B-B14F-4D97-AF65-F5344CB8AC3E}">
-        <p14:creationId xmlns:p14="http://schemas.microsoft.com/office/powerpoint/2010/main" val="4038746275"/>
+        <p14:creationId xmlns:p14="http://schemas.microsoft.com/office/powerpoint/2010/main" val="1064983879"/>
       </p:ext>
     </p:extLst>
   </p:cSld>
@@ -349,7 +349,7 @@
           <p:cNvPr id="2" name="标题 1">
             <a:extLst>
               <a:ext uri="{FF2B5EF4-FFF2-40B4-BE49-F238E27FC236}">
-                <a16:creationId xmlns:a16="http://schemas.microsoft.com/office/drawing/2014/main" id="{12B70DE2-421A-1E58-CC3C-D376ECD86594}"/>
+                <a16:creationId xmlns:a16="http://schemas.microsoft.com/office/drawing/2014/main" id="{734F5258-F438-7893-47BA-7C842595FE00}"/>
               </a:ext>
             </a:extLst>
           </p:cNvPr>
@@ -377,7 +377,7 @@
           <p:cNvPr id="3" name="竖排文字占位符 2">
             <a:extLst>
               <a:ext uri="{FF2B5EF4-FFF2-40B4-BE49-F238E27FC236}">
-                <a16:creationId xmlns:a16="http://schemas.microsoft.com/office/drawing/2014/main" id="{7C88C0C5-FA0E-02D9-1600-F6FBADAB2C9F}"/>
+                <a16:creationId xmlns:a16="http://schemas.microsoft.com/office/drawing/2014/main" id="{8294A2E4-02AC-3377-950F-BEB02047801D}"/>
               </a:ext>
             </a:extLst>
           </p:cNvPr>
@@ -434,7 +434,7 @@
           <p:cNvPr id="4" name="日期占位符 3">
             <a:extLst>
               <a:ext uri="{FF2B5EF4-FFF2-40B4-BE49-F238E27FC236}">
-                <a16:creationId xmlns:a16="http://schemas.microsoft.com/office/drawing/2014/main" id="{6CBC0D82-4B94-7B39-9A9E-B7A408E90E59}"/>
+                <a16:creationId xmlns:a16="http://schemas.microsoft.com/office/drawing/2014/main" id="{FEFDD7B1-2D92-60CD-167D-27FB1A5E080A}"/>
               </a:ext>
             </a:extLst>
           </p:cNvPr>
@@ -450,7 +450,7 @@
           <a:bodyPr/>
           <a:lstStyle/>
           <a:p>
-            <a:fld id="{DFAF6C57-A42D-42A8-A8AB-601BEA2D9371}" type="datetimeFigureOut">
+            <a:fld id="{DDB01F30-2AB7-48BE-98E3-873F98167C8D}" type="datetimeFigureOut">
               <a:rPr lang="zh-CN" altLang="en-US" smtClean="0"/>
               <a:t>2024/3/10</a:t>
             </a:fld>
@@ -463,7 +463,7 @@
           <p:cNvPr id="5" name="页脚占位符 4">
             <a:extLst>
               <a:ext uri="{FF2B5EF4-FFF2-40B4-BE49-F238E27FC236}">
-                <a16:creationId xmlns:a16="http://schemas.microsoft.com/office/drawing/2014/main" id="{41128868-6ED5-B1F7-44C8-B30A02E399B1}"/>
+                <a16:creationId xmlns:a16="http://schemas.microsoft.com/office/drawing/2014/main" id="{16F61548-216D-F3FF-D080-0B6357192252}"/>
               </a:ext>
             </a:extLst>
           </p:cNvPr>
@@ -488,7 +488,7 @@
           <p:cNvPr id="6" name="灯片编号占位符 5">
             <a:extLst>
               <a:ext uri="{FF2B5EF4-FFF2-40B4-BE49-F238E27FC236}">
-                <a16:creationId xmlns:a16="http://schemas.microsoft.com/office/drawing/2014/main" id="{BF056DA7-10C1-D979-2A5B-02BE504BF8F4}"/>
+                <a16:creationId xmlns:a16="http://schemas.microsoft.com/office/drawing/2014/main" id="{CFDC58CC-169C-AEE0-83E2-E360122B00EF}"/>
               </a:ext>
             </a:extLst>
           </p:cNvPr>
@@ -504,7 +504,7 @@
           <a:bodyPr/>
           <a:lstStyle/>
           <a:p>
-            <a:fld id="{47D875FA-7CC1-4589-BD69-7A01DA734D66}" type="slidenum">
+            <a:fld id="{49FC9423-5997-4C44-B05B-DBEA3970A78E}" type="slidenum">
               <a:rPr lang="zh-CN" altLang="en-US" smtClean="0"/>
               <a:t>‹#›</a:t>
             </a:fld>
@@ -515,7 +515,7 @@
     </p:spTree>
     <p:extLst>
       <p:ext uri="{BB962C8B-B14F-4D97-AF65-F5344CB8AC3E}">
-        <p14:creationId xmlns:p14="http://schemas.microsoft.com/office/powerpoint/2010/main" val="2156745325"/>
+        <p14:creationId xmlns:p14="http://schemas.microsoft.com/office/powerpoint/2010/main" val="679050226"/>
       </p:ext>
     </p:extLst>
   </p:cSld>
@@ -547,7 +547,7 @@
           <p:cNvPr id="2" name="竖排标题 1">
             <a:extLst>
               <a:ext uri="{FF2B5EF4-FFF2-40B4-BE49-F238E27FC236}">
-                <a16:creationId xmlns:a16="http://schemas.microsoft.com/office/drawing/2014/main" id="{6CFD113F-DD22-0BD7-B0D8-233DCB3D7058}"/>
+                <a16:creationId xmlns:a16="http://schemas.microsoft.com/office/drawing/2014/main" id="{9FDCEAE3-D6E7-16DD-C4C8-2564817C970A}"/>
               </a:ext>
             </a:extLst>
           </p:cNvPr>
@@ -580,7 +580,7 @@
           <p:cNvPr id="3" name="竖排文字占位符 2">
             <a:extLst>
               <a:ext uri="{FF2B5EF4-FFF2-40B4-BE49-F238E27FC236}">
-                <a16:creationId xmlns:a16="http://schemas.microsoft.com/office/drawing/2014/main" id="{EBCF2245-CEBC-397B-E989-2E2FD24518BB}"/>
+                <a16:creationId xmlns:a16="http://schemas.microsoft.com/office/drawing/2014/main" id="{A0B03588-DB1E-23DF-BE97-83FF71F13C21}"/>
               </a:ext>
             </a:extLst>
           </p:cNvPr>
@@ -642,7 +642,7 @@
           <p:cNvPr id="4" name="日期占位符 3">
             <a:extLst>
               <a:ext uri="{FF2B5EF4-FFF2-40B4-BE49-F238E27FC236}">
-                <a16:creationId xmlns:a16="http://schemas.microsoft.com/office/drawing/2014/main" id="{280D14C8-2C73-FEA0-A92F-8FF1976FF0F6}"/>
+                <a16:creationId xmlns:a16="http://schemas.microsoft.com/office/drawing/2014/main" id="{8B2BE02E-C1DC-4AB0-7096-4A796CCEF477}"/>
               </a:ext>
             </a:extLst>
           </p:cNvPr>
@@ -658,7 +658,7 @@
           <a:bodyPr/>
           <a:lstStyle/>
           <a:p>
-            <a:fld id="{DFAF6C57-A42D-42A8-A8AB-601BEA2D9371}" type="datetimeFigureOut">
+            <a:fld id="{DDB01F30-2AB7-48BE-98E3-873F98167C8D}" type="datetimeFigureOut">
               <a:rPr lang="zh-CN" altLang="en-US" smtClean="0"/>
               <a:t>2024/3/10</a:t>
             </a:fld>
@@ -671,7 +671,7 @@
           <p:cNvPr id="5" name="页脚占位符 4">
             <a:extLst>
               <a:ext uri="{FF2B5EF4-FFF2-40B4-BE49-F238E27FC236}">
-                <a16:creationId xmlns:a16="http://schemas.microsoft.com/office/drawing/2014/main" id="{9306D529-57DB-2C41-0E0C-517F03C410F7}"/>
+                <a16:creationId xmlns:a16="http://schemas.microsoft.com/office/drawing/2014/main" id="{1E93BD5D-0181-6BE9-40A4-24086A29DCD8}"/>
               </a:ext>
             </a:extLst>
           </p:cNvPr>
@@ -696,7 +696,7 @@
           <p:cNvPr id="6" name="灯片编号占位符 5">
             <a:extLst>
               <a:ext uri="{FF2B5EF4-FFF2-40B4-BE49-F238E27FC236}">
-                <a16:creationId xmlns:a16="http://schemas.microsoft.com/office/drawing/2014/main" id="{AE51163F-2700-7372-D6D9-923912180CDE}"/>
+                <a16:creationId xmlns:a16="http://schemas.microsoft.com/office/drawing/2014/main" id="{5DBEFF40-FFAF-7950-C87A-2F47B3BC1CC7}"/>
               </a:ext>
             </a:extLst>
           </p:cNvPr>
@@ -712,7 +712,7 @@
           <a:bodyPr/>
           <a:lstStyle/>
           <a:p>
-            <a:fld id="{47D875FA-7CC1-4589-BD69-7A01DA734D66}" type="slidenum">
+            <a:fld id="{49FC9423-5997-4C44-B05B-DBEA3970A78E}" type="slidenum">
               <a:rPr lang="zh-CN" altLang="en-US" smtClean="0"/>
               <a:t>‹#›</a:t>
             </a:fld>
@@ -723,7 +723,7 @@
     </p:spTree>
     <p:extLst>
       <p:ext uri="{BB962C8B-B14F-4D97-AF65-F5344CB8AC3E}">
-        <p14:creationId xmlns:p14="http://schemas.microsoft.com/office/powerpoint/2010/main" val="902603948"/>
+        <p14:creationId xmlns:p14="http://schemas.microsoft.com/office/powerpoint/2010/main" val="2606415279"/>
       </p:ext>
     </p:extLst>
   </p:cSld>
@@ -755,7 +755,7 @@
           <p:cNvPr id="2" name="标题 1">
             <a:extLst>
               <a:ext uri="{FF2B5EF4-FFF2-40B4-BE49-F238E27FC236}">
-                <a16:creationId xmlns:a16="http://schemas.microsoft.com/office/drawing/2014/main" id="{D2EF1697-466B-D96E-A5E5-CE6D6A6D5BD4}"/>
+                <a16:creationId xmlns:a16="http://schemas.microsoft.com/office/drawing/2014/main" id="{756C6DD1-0D8E-752B-EE71-CBBED30C66D0}"/>
               </a:ext>
             </a:extLst>
           </p:cNvPr>
@@ -783,7 +783,7 @@
           <p:cNvPr id="3" name="内容占位符 2">
             <a:extLst>
               <a:ext uri="{FF2B5EF4-FFF2-40B4-BE49-F238E27FC236}">
-                <a16:creationId xmlns:a16="http://schemas.microsoft.com/office/drawing/2014/main" id="{B3B30794-5D23-9768-A9BE-48130506AE8F}"/>
+                <a16:creationId xmlns:a16="http://schemas.microsoft.com/office/drawing/2014/main" id="{78B5D78C-274C-3FD4-7751-28CFF204C992}"/>
               </a:ext>
             </a:extLst>
           </p:cNvPr>
@@ -840,7 +840,7 @@
           <p:cNvPr id="4" name="日期占位符 3">
             <a:extLst>
               <a:ext uri="{FF2B5EF4-FFF2-40B4-BE49-F238E27FC236}">
-                <a16:creationId xmlns:a16="http://schemas.microsoft.com/office/drawing/2014/main" id="{19879DA0-C238-559F-8093-CC9804564661}"/>
+                <a16:creationId xmlns:a16="http://schemas.microsoft.com/office/drawing/2014/main" id="{7C5FCC57-0CF3-EFF7-7E18-275945122F24}"/>
               </a:ext>
             </a:extLst>
           </p:cNvPr>
@@ -856,7 +856,7 @@
           <a:bodyPr/>
           <a:lstStyle/>
           <a:p>
-            <a:fld id="{DFAF6C57-A42D-42A8-A8AB-601BEA2D9371}" type="datetimeFigureOut">
+            <a:fld id="{DDB01F30-2AB7-48BE-98E3-873F98167C8D}" type="datetimeFigureOut">
               <a:rPr lang="zh-CN" altLang="en-US" smtClean="0"/>
               <a:t>2024/3/10</a:t>
             </a:fld>
@@ -869,7 +869,7 @@
           <p:cNvPr id="5" name="页脚占位符 4">
             <a:extLst>
               <a:ext uri="{FF2B5EF4-FFF2-40B4-BE49-F238E27FC236}">
-                <a16:creationId xmlns:a16="http://schemas.microsoft.com/office/drawing/2014/main" id="{0FC7C27C-7ACD-2D98-CF7C-FC2A44A4F9E9}"/>
+                <a16:creationId xmlns:a16="http://schemas.microsoft.com/office/drawing/2014/main" id="{A19D21B1-6239-0947-9F45-8D6A2FC94B8F}"/>
               </a:ext>
             </a:extLst>
           </p:cNvPr>
@@ -894,7 +894,7 @@
           <p:cNvPr id="6" name="灯片编号占位符 5">
             <a:extLst>
               <a:ext uri="{FF2B5EF4-FFF2-40B4-BE49-F238E27FC236}">
-                <a16:creationId xmlns:a16="http://schemas.microsoft.com/office/drawing/2014/main" id="{A4548038-C293-0CCA-BED2-6B684E364692}"/>
+                <a16:creationId xmlns:a16="http://schemas.microsoft.com/office/drawing/2014/main" id="{26402B16-ADC1-489E-5EAD-823DEEC35310}"/>
               </a:ext>
             </a:extLst>
           </p:cNvPr>
@@ -910,7 +910,7 @@
           <a:bodyPr/>
           <a:lstStyle/>
           <a:p>
-            <a:fld id="{47D875FA-7CC1-4589-BD69-7A01DA734D66}" type="slidenum">
+            <a:fld id="{49FC9423-5997-4C44-B05B-DBEA3970A78E}" type="slidenum">
               <a:rPr lang="zh-CN" altLang="en-US" smtClean="0"/>
               <a:t>‹#›</a:t>
             </a:fld>
@@ -921,7 +921,7 @@
     </p:spTree>
     <p:extLst>
       <p:ext uri="{BB962C8B-B14F-4D97-AF65-F5344CB8AC3E}">
-        <p14:creationId xmlns:p14="http://schemas.microsoft.com/office/powerpoint/2010/main" val="2070861333"/>
+        <p14:creationId xmlns:p14="http://schemas.microsoft.com/office/powerpoint/2010/main" val="981432164"/>
       </p:ext>
     </p:extLst>
   </p:cSld>
@@ -953,7 +953,7 @@
           <p:cNvPr id="2" name="标题 1">
             <a:extLst>
               <a:ext uri="{FF2B5EF4-FFF2-40B4-BE49-F238E27FC236}">
-                <a16:creationId xmlns:a16="http://schemas.microsoft.com/office/drawing/2014/main" id="{2F8D71A3-401F-5B7E-B576-69AA96107DCF}"/>
+                <a16:creationId xmlns:a16="http://schemas.microsoft.com/office/drawing/2014/main" id="{E68C16D9-E680-5FEF-076A-5643015E4F13}"/>
               </a:ext>
             </a:extLst>
           </p:cNvPr>
@@ -990,7 +990,7 @@
           <p:cNvPr id="3" name="文本占位符 2">
             <a:extLst>
               <a:ext uri="{FF2B5EF4-FFF2-40B4-BE49-F238E27FC236}">
-                <a16:creationId xmlns:a16="http://schemas.microsoft.com/office/drawing/2014/main" id="{2D321145-7639-007A-A997-B282F0D88840}"/>
+                <a16:creationId xmlns:a16="http://schemas.microsoft.com/office/drawing/2014/main" id="{3A315D81-9ED0-B499-9F6E-86B01D899A5E}"/>
               </a:ext>
             </a:extLst>
           </p:cNvPr>
@@ -1115,7 +1115,7 @@
           <p:cNvPr id="4" name="日期占位符 3">
             <a:extLst>
               <a:ext uri="{FF2B5EF4-FFF2-40B4-BE49-F238E27FC236}">
-                <a16:creationId xmlns:a16="http://schemas.microsoft.com/office/drawing/2014/main" id="{5DF9CBB1-5727-E043-586B-F07D63B9E7F9}"/>
+                <a16:creationId xmlns:a16="http://schemas.microsoft.com/office/drawing/2014/main" id="{287711C0-DB29-CA74-1229-7C1E8E3562DB}"/>
               </a:ext>
             </a:extLst>
           </p:cNvPr>
@@ -1131,7 +1131,7 @@
           <a:bodyPr/>
           <a:lstStyle/>
           <a:p>
-            <a:fld id="{DFAF6C57-A42D-42A8-A8AB-601BEA2D9371}" type="datetimeFigureOut">
+            <a:fld id="{DDB01F30-2AB7-48BE-98E3-873F98167C8D}" type="datetimeFigureOut">
               <a:rPr lang="zh-CN" altLang="en-US" smtClean="0"/>
               <a:t>2024/3/10</a:t>
             </a:fld>
@@ -1144,7 +1144,7 @@
           <p:cNvPr id="5" name="页脚占位符 4">
             <a:extLst>
               <a:ext uri="{FF2B5EF4-FFF2-40B4-BE49-F238E27FC236}">
-                <a16:creationId xmlns:a16="http://schemas.microsoft.com/office/drawing/2014/main" id="{2B0EA53B-86D5-2F3A-2537-A56BEAF42CD0}"/>
+                <a16:creationId xmlns:a16="http://schemas.microsoft.com/office/drawing/2014/main" id="{348727C0-7D52-40CD-D597-CA8C412FD21C}"/>
               </a:ext>
             </a:extLst>
           </p:cNvPr>
@@ -1169,7 +1169,7 @@
           <p:cNvPr id="6" name="灯片编号占位符 5">
             <a:extLst>
               <a:ext uri="{FF2B5EF4-FFF2-40B4-BE49-F238E27FC236}">
-                <a16:creationId xmlns:a16="http://schemas.microsoft.com/office/drawing/2014/main" id="{7A5759B5-9B18-0D63-19C6-4011F3AB9BB1}"/>
+                <a16:creationId xmlns:a16="http://schemas.microsoft.com/office/drawing/2014/main" id="{3DBC9B45-B5C0-101A-E80B-B65B86D12CE1}"/>
               </a:ext>
             </a:extLst>
           </p:cNvPr>
@@ -1185,7 +1185,7 @@
           <a:bodyPr/>
           <a:lstStyle/>
           <a:p>
-            <a:fld id="{47D875FA-7CC1-4589-BD69-7A01DA734D66}" type="slidenum">
+            <a:fld id="{49FC9423-5997-4C44-B05B-DBEA3970A78E}" type="slidenum">
               <a:rPr lang="zh-CN" altLang="en-US" smtClean="0"/>
               <a:t>‹#›</a:t>
             </a:fld>
@@ -1196,7 +1196,7 @@
     </p:spTree>
     <p:extLst>
       <p:ext uri="{BB962C8B-B14F-4D97-AF65-F5344CB8AC3E}">
-        <p14:creationId xmlns:p14="http://schemas.microsoft.com/office/powerpoint/2010/main" val="3421162873"/>
+        <p14:creationId xmlns:p14="http://schemas.microsoft.com/office/powerpoint/2010/main" val="394537889"/>
       </p:ext>
     </p:extLst>
   </p:cSld>
@@ -1228,7 +1228,7 @@
           <p:cNvPr id="2" name="标题 1">
             <a:extLst>
               <a:ext uri="{FF2B5EF4-FFF2-40B4-BE49-F238E27FC236}">
-                <a16:creationId xmlns:a16="http://schemas.microsoft.com/office/drawing/2014/main" id="{E7B8A27F-C949-08B7-2CC9-0B9E3E121256}"/>
+                <a16:creationId xmlns:a16="http://schemas.microsoft.com/office/drawing/2014/main" id="{CCFA0E19-3D19-8798-8E6D-96AD2F7BBD88}"/>
               </a:ext>
             </a:extLst>
           </p:cNvPr>
@@ -1256,7 +1256,7 @@
           <p:cNvPr id="3" name="内容占位符 2">
             <a:extLst>
               <a:ext uri="{FF2B5EF4-FFF2-40B4-BE49-F238E27FC236}">
-                <a16:creationId xmlns:a16="http://schemas.microsoft.com/office/drawing/2014/main" id="{21F126A9-8170-6774-6CFD-288DB9AA11E8}"/>
+                <a16:creationId xmlns:a16="http://schemas.microsoft.com/office/drawing/2014/main" id="{6366D58F-9EAB-F8C7-5392-FB00A38EAEBC}"/>
               </a:ext>
             </a:extLst>
           </p:cNvPr>
@@ -1318,7 +1318,7 @@
           <p:cNvPr id="4" name="内容占位符 3">
             <a:extLst>
               <a:ext uri="{FF2B5EF4-FFF2-40B4-BE49-F238E27FC236}">
-                <a16:creationId xmlns:a16="http://schemas.microsoft.com/office/drawing/2014/main" id="{A772F85F-B865-A01B-C44A-42BAD34E1496}"/>
+                <a16:creationId xmlns:a16="http://schemas.microsoft.com/office/drawing/2014/main" id="{94878BFA-BA84-62A3-5F17-F3441665C9DD}"/>
               </a:ext>
             </a:extLst>
           </p:cNvPr>
@@ -1380,7 +1380,7 @@
           <p:cNvPr id="5" name="日期占位符 4">
             <a:extLst>
               <a:ext uri="{FF2B5EF4-FFF2-40B4-BE49-F238E27FC236}">
-                <a16:creationId xmlns:a16="http://schemas.microsoft.com/office/drawing/2014/main" id="{F7FD1076-391B-DE74-0C4F-14305F7B5B5A}"/>
+                <a16:creationId xmlns:a16="http://schemas.microsoft.com/office/drawing/2014/main" id="{CCFCD5CE-D74F-033E-FDCA-B4E35B7322F2}"/>
               </a:ext>
             </a:extLst>
           </p:cNvPr>
@@ -1396,7 +1396,7 @@
           <a:bodyPr/>
           <a:lstStyle/>
           <a:p>
-            <a:fld id="{DFAF6C57-A42D-42A8-A8AB-601BEA2D9371}" type="datetimeFigureOut">
+            <a:fld id="{DDB01F30-2AB7-48BE-98E3-873F98167C8D}" type="datetimeFigureOut">
               <a:rPr lang="zh-CN" altLang="en-US" smtClean="0"/>
               <a:t>2024/3/10</a:t>
             </a:fld>
@@ -1409,7 +1409,7 @@
           <p:cNvPr id="6" name="页脚占位符 5">
             <a:extLst>
               <a:ext uri="{FF2B5EF4-FFF2-40B4-BE49-F238E27FC236}">
-                <a16:creationId xmlns:a16="http://schemas.microsoft.com/office/drawing/2014/main" id="{35E4F448-FFB3-C7B2-1141-667828BBB1CC}"/>
+                <a16:creationId xmlns:a16="http://schemas.microsoft.com/office/drawing/2014/main" id="{AFF80272-5E22-BE23-7A34-C4C89B63F0BA}"/>
               </a:ext>
             </a:extLst>
           </p:cNvPr>
@@ -1434,7 +1434,7 @@
           <p:cNvPr id="7" name="灯片编号占位符 6">
             <a:extLst>
               <a:ext uri="{FF2B5EF4-FFF2-40B4-BE49-F238E27FC236}">
-                <a16:creationId xmlns:a16="http://schemas.microsoft.com/office/drawing/2014/main" id="{9B7E4824-1C77-93FE-6832-C89505870C7D}"/>
+                <a16:creationId xmlns:a16="http://schemas.microsoft.com/office/drawing/2014/main" id="{F8595A7D-F163-C273-1731-40376EB78858}"/>
               </a:ext>
             </a:extLst>
           </p:cNvPr>
@@ -1450,7 +1450,7 @@
           <a:bodyPr/>
           <a:lstStyle/>
           <a:p>
-            <a:fld id="{47D875FA-7CC1-4589-BD69-7A01DA734D66}" type="slidenum">
+            <a:fld id="{49FC9423-5997-4C44-B05B-DBEA3970A78E}" type="slidenum">
               <a:rPr lang="zh-CN" altLang="en-US" smtClean="0"/>
               <a:t>‹#›</a:t>
             </a:fld>
@@ -1461,7 +1461,7 @@
     </p:spTree>
     <p:extLst>
       <p:ext uri="{BB962C8B-B14F-4D97-AF65-F5344CB8AC3E}">
-        <p14:creationId xmlns:p14="http://schemas.microsoft.com/office/powerpoint/2010/main" val="2934590947"/>
+        <p14:creationId xmlns:p14="http://schemas.microsoft.com/office/powerpoint/2010/main" val="456643290"/>
       </p:ext>
     </p:extLst>
   </p:cSld>
@@ -1493,7 +1493,7 @@
           <p:cNvPr id="2" name="标题 1">
             <a:extLst>
               <a:ext uri="{FF2B5EF4-FFF2-40B4-BE49-F238E27FC236}">
-                <a16:creationId xmlns:a16="http://schemas.microsoft.com/office/drawing/2014/main" id="{255DAAB3-B45E-B281-2A57-D38450F95A5D}"/>
+                <a16:creationId xmlns:a16="http://schemas.microsoft.com/office/drawing/2014/main" id="{58775898-EA53-615B-3550-63463E68ACB6}"/>
               </a:ext>
             </a:extLst>
           </p:cNvPr>
@@ -1526,7 +1526,7 @@
           <p:cNvPr id="3" name="文本占位符 2">
             <a:extLst>
               <a:ext uri="{FF2B5EF4-FFF2-40B4-BE49-F238E27FC236}">
-                <a16:creationId xmlns:a16="http://schemas.microsoft.com/office/drawing/2014/main" id="{4508C806-AF05-4BE8-D2FB-88FFD781528E}"/>
+                <a16:creationId xmlns:a16="http://schemas.microsoft.com/office/drawing/2014/main" id="{FC67B307-8D37-A9F3-73BB-EA74600B6CCC}"/>
               </a:ext>
             </a:extLst>
           </p:cNvPr>
@@ -1597,7 +1597,7 @@
           <p:cNvPr id="4" name="内容占位符 3">
             <a:extLst>
               <a:ext uri="{FF2B5EF4-FFF2-40B4-BE49-F238E27FC236}">
-                <a16:creationId xmlns:a16="http://schemas.microsoft.com/office/drawing/2014/main" id="{CF0178FD-34DE-6D0A-3D7C-6DFE3364B890}"/>
+                <a16:creationId xmlns:a16="http://schemas.microsoft.com/office/drawing/2014/main" id="{C111C67B-88A3-3EAD-77E2-0F7D67C75695}"/>
               </a:ext>
             </a:extLst>
           </p:cNvPr>
@@ -1659,7 +1659,7 @@
           <p:cNvPr id="5" name="文本占位符 4">
             <a:extLst>
               <a:ext uri="{FF2B5EF4-FFF2-40B4-BE49-F238E27FC236}">
-                <a16:creationId xmlns:a16="http://schemas.microsoft.com/office/drawing/2014/main" id="{EC698CA8-145C-726E-F935-E66E2252CA7E}"/>
+                <a16:creationId xmlns:a16="http://schemas.microsoft.com/office/drawing/2014/main" id="{F9EBEF78-61A1-2A51-7D20-F834368272F1}"/>
               </a:ext>
             </a:extLst>
           </p:cNvPr>
@@ -1730,7 +1730,7 @@
           <p:cNvPr id="6" name="内容占位符 5">
             <a:extLst>
               <a:ext uri="{FF2B5EF4-FFF2-40B4-BE49-F238E27FC236}">
-                <a16:creationId xmlns:a16="http://schemas.microsoft.com/office/drawing/2014/main" id="{5E625E80-C817-1223-B25F-1DE74AC58EA2}"/>
+                <a16:creationId xmlns:a16="http://schemas.microsoft.com/office/drawing/2014/main" id="{98FD6081-40FD-E1C0-4416-435E31613F1D}"/>
               </a:ext>
             </a:extLst>
           </p:cNvPr>
@@ -1792,7 +1792,7 @@
           <p:cNvPr id="7" name="日期占位符 6">
             <a:extLst>
               <a:ext uri="{FF2B5EF4-FFF2-40B4-BE49-F238E27FC236}">
-                <a16:creationId xmlns:a16="http://schemas.microsoft.com/office/drawing/2014/main" id="{B872D471-BD61-30CE-6577-22E571940ECC}"/>
+                <a16:creationId xmlns:a16="http://schemas.microsoft.com/office/drawing/2014/main" id="{0BB91987-BA90-DD85-6E95-0ADF19C7933B}"/>
               </a:ext>
             </a:extLst>
           </p:cNvPr>
@@ -1808,7 +1808,7 @@
           <a:bodyPr/>
           <a:lstStyle/>
           <a:p>
-            <a:fld id="{DFAF6C57-A42D-42A8-A8AB-601BEA2D9371}" type="datetimeFigureOut">
+            <a:fld id="{DDB01F30-2AB7-48BE-98E3-873F98167C8D}" type="datetimeFigureOut">
               <a:rPr lang="zh-CN" altLang="en-US" smtClean="0"/>
               <a:t>2024/3/10</a:t>
             </a:fld>
@@ -1821,7 +1821,7 @@
           <p:cNvPr id="8" name="页脚占位符 7">
             <a:extLst>
               <a:ext uri="{FF2B5EF4-FFF2-40B4-BE49-F238E27FC236}">
-                <a16:creationId xmlns:a16="http://schemas.microsoft.com/office/drawing/2014/main" id="{5B688B40-3ABC-853B-3C3E-4E79EED264A5}"/>
+                <a16:creationId xmlns:a16="http://schemas.microsoft.com/office/drawing/2014/main" id="{470F694D-0685-927B-73C5-30DB5C29DE5B}"/>
               </a:ext>
             </a:extLst>
           </p:cNvPr>
@@ -1846,7 +1846,7 @@
           <p:cNvPr id="9" name="灯片编号占位符 8">
             <a:extLst>
               <a:ext uri="{FF2B5EF4-FFF2-40B4-BE49-F238E27FC236}">
-                <a16:creationId xmlns:a16="http://schemas.microsoft.com/office/drawing/2014/main" id="{3E796657-6112-19E2-70F8-A4CD6BD85E3C}"/>
+                <a16:creationId xmlns:a16="http://schemas.microsoft.com/office/drawing/2014/main" id="{C9E7905F-3181-81F2-5F54-DF46E53352C0}"/>
               </a:ext>
             </a:extLst>
           </p:cNvPr>
@@ -1862,7 +1862,7 @@
           <a:bodyPr/>
           <a:lstStyle/>
           <a:p>
-            <a:fld id="{47D875FA-7CC1-4589-BD69-7A01DA734D66}" type="slidenum">
+            <a:fld id="{49FC9423-5997-4C44-B05B-DBEA3970A78E}" type="slidenum">
               <a:rPr lang="zh-CN" altLang="en-US" smtClean="0"/>
               <a:t>‹#›</a:t>
             </a:fld>
@@ -1873,7 +1873,7 @@
     </p:spTree>
     <p:extLst>
       <p:ext uri="{BB962C8B-B14F-4D97-AF65-F5344CB8AC3E}">
-        <p14:creationId xmlns:p14="http://schemas.microsoft.com/office/powerpoint/2010/main" val="248101889"/>
+        <p14:creationId xmlns:p14="http://schemas.microsoft.com/office/powerpoint/2010/main" val="1242435298"/>
       </p:ext>
     </p:extLst>
   </p:cSld>
@@ -1905,7 +1905,7 @@
           <p:cNvPr id="2" name="标题 1">
             <a:extLst>
               <a:ext uri="{FF2B5EF4-FFF2-40B4-BE49-F238E27FC236}">
-                <a16:creationId xmlns:a16="http://schemas.microsoft.com/office/drawing/2014/main" id="{30590E2A-DB2E-9EBB-B4F7-4F1E66A4E054}"/>
+                <a16:creationId xmlns:a16="http://schemas.microsoft.com/office/drawing/2014/main" id="{9B96A2A3-9704-C5A5-C002-0DBDEEA4EF5C}"/>
               </a:ext>
             </a:extLst>
           </p:cNvPr>
@@ -1933,7 +1933,7 @@
           <p:cNvPr id="3" name="日期占位符 2">
             <a:extLst>
               <a:ext uri="{FF2B5EF4-FFF2-40B4-BE49-F238E27FC236}">
-                <a16:creationId xmlns:a16="http://schemas.microsoft.com/office/drawing/2014/main" id="{7AEC2F91-F2D4-4798-7AF9-ED0661330799}"/>
+                <a16:creationId xmlns:a16="http://schemas.microsoft.com/office/drawing/2014/main" id="{060E7898-FF5C-E4DA-7644-4F9591B18BB9}"/>
               </a:ext>
             </a:extLst>
           </p:cNvPr>
@@ -1949,7 +1949,7 @@
           <a:bodyPr/>
           <a:lstStyle/>
           <a:p>
-            <a:fld id="{DFAF6C57-A42D-42A8-A8AB-601BEA2D9371}" type="datetimeFigureOut">
+            <a:fld id="{DDB01F30-2AB7-48BE-98E3-873F98167C8D}" type="datetimeFigureOut">
               <a:rPr lang="zh-CN" altLang="en-US" smtClean="0"/>
               <a:t>2024/3/10</a:t>
             </a:fld>
@@ -1962,7 +1962,7 @@
           <p:cNvPr id="4" name="页脚占位符 3">
             <a:extLst>
               <a:ext uri="{FF2B5EF4-FFF2-40B4-BE49-F238E27FC236}">
-                <a16:creationId xmlns:a16="http://schemas.microsoft.com/office/drawing/2014/main" id="{E80C948E-FE1A-BDC0-8EAD-D72D8B1E4A33}"/>
+                <a16:creationId xmlns:a16="http://schemas.microsoft.com/office/drawing/2014/main" id="{06D60167-227F-8858-299A-C3ADDB0DFA68}"/>
               </a:ext>
             </a:extLst>
           </p:cNvPr>
@@ -1987,7 +1987,7 @@
           <p:cNvPr id="5" name="灯片编号占位符 4">
             <a:extLst>
               <a:ext uri="{FF2B5EF4-FFF2-40B4-BE49-F238E27FC236}">
-                <a16:creationId xmlns:a16="http://schemas.microsoft.com/office/drawing/2014/main" id="{7C7A5E84-1E6C-66EB-EEDA-A14D08214D57}"/>
+                <a16:creationId xmlns:a16="http://schemas.microsoft.com/office/drawing/2014/main" id="{1101F632-04C5-12D5-4563-9BDF7C6480D0}"/>
               </a:ext>
             </a:extLst>
           </p:cNvPr>
@@ -2003,7 +2003,7 @@
           <a:bodyPr/>
           <a:lstStyle/>
           <a:p>
-            <a:fld id="{47D875FA-7CC1-4589-BD69-7A01DA734D66}" type="slidenum">
+            <a:fld id="{49FC9423-5997-4C44-B05B-DBEA3970A78E}" type="slidenum">
               <a:rPr lang="zh-CN" altLang="en-US" smtClean="0"/>
               <a:t>‹#›</a:t>
             </a:fld>
@@ -2014,7 +2014,7 @@
     </p:spTree>
     <p:extLst>
       <p:ext uri="{BB962C8B-B14F-4D97-AF65-F5344CB8AC3E}">
-        <p14:creationId xmlns:p14="http://schemas.microsoft.com/office/powerpoint/2010/main" val="2770723547"/>
+        <p14:creationId xmlns:p14="http://schemas.microsoft.com/office/powerpoint/2010/main" val="566509267"/>
       </p:ext>
     </p:extLst>
   </p:cSld>
@@ -2046,7 +2046,7 @@
           <p:cNvPr id="2" name="日期占位符 1">
             <a:extLst>
               <a:ext uri="{FF2B5EF4-FFF2-40B4-BE49-F238E27FC236}">
-                <a16:creationId xmlns:a16="http://schemas.microsoft.com/office/drawing/2014/main" id="{7BB9FDFF-53C3-4B74-379E-771EF70AE68C}"/>
+                <a16:creationId xmlns:a16="http://schemas.microsoft.com/office/drawing/2014/main" id="{F73BA162-30BA-B175-2D37-584F9D894DF3}"/>
               </a:ext>
             </a:extLst>
           </p:cNvPr>
@@ -2062,7 +2062,7 @@
           <a:bodyPr/>
           <a:lstStyle/>
           <a:p>
-            <a:fld id="{DFAF6C57-A42D-42A8-A8AB-601BEA2D9371}" type="datetimeFigureOut">
+            <a:fld id="{DDB01F30-2AB7-48BE-98E3-873F98167C8D}" type="datetimeFigureOut">
               <a:rPr lang="zh-CN" altLang="en-US" smtClean="0"/>
               <a:t>2024/3/10</a:t>
             </a:fld>
@@ -2075,7 +2075,7 @@
           <p:cNvPr id="3" name="页脚占位符 2">
             <a:extLst>
               <a:ext uri="{FF2B5EF4-FFF2-40B4-BE49-F238E27FC236}">
-                <a16:creationId xmlns:a16="http://schemas.microsoft.com/office/drawing/2014/main" id="{85D4C491-DA60-6E49-EE0F-02290F2E2DE8}"/>
+                <a16:creationId xmlns:a16="http://schemas.microsoft.com/office/drawing/2014/main" id="{BB394A15-AFB6-62EA-13E8-7940C7721EA0}"/>
               </a:ext>
             </a:extLst>
           </p:cNvPr>
@@ -2100,7 +2100,7 @@
           <p:cNvPr id="4" name="灯片编号占位符 3">
             <a:extLst>
               <a:ext uri="{FF2B5EF4-FFF2-40B4-BE49-F238E27FC236}">
-                <a16:creationId xmlns:a16="http://schemas.microsoft.com/office/drawing/2014/main" id="{2258A3DE-8055-29FB-3E79-CEB2A1C57C60}"/>
+                <a16:creationId xmlns:a16="http://schemas.microsoft.com/office/drawing/2014/main" id="{7223D256-CFEF-735D-49E6-C12739F8AC96}"/>
               </a:ext>
             </a:extLst>
           </p:cNvPr>
@@ -2116,7 +2116,7 @@
           <a:bodyPr/>
           <a:lstStyle/>
           <a:p>
-            <a:fld id="{47D875FA-7CC1-4589-BD69-7A01DA734D66}" type="slidenum">
+            <a:fld id="{49FC9423-5997-4C44-B05B-DBEA3970A78E}" type="slidenum">
               <a:rPr lang="zh-CN" altLang="en-US" smtClean="0"/>
               <a:t>‹#›</a:t>
             </a:fld>
@@ -2127,7 +2127,7 @@
     </p:spTree>
     <p:extLst>
       <p:ext uri="{BB962C8B-B14F-4D97-AF65-F5344CB8AC3E}">
-        <p14:creationId xmlns:p14="http://schemas.microsoft.com/office/powerpoint/2010/main" val="2283696919"/>
+        <p14:creationId xmlns:p14="http://schemas.microsoft.com/office/powerpoint/2010/main" val="705422373"/>
       </p:ext>
     </p:extLst>
   </p:cSld>
@@ -2159,7 +2159,7 @@
           <p:cNvPr id="2" name="标题 1">
             <a:extLst>
               <a:ext uri="{FF2B5EF4-FFF2-40B4-BE49-F238E27FC236}">
-                <a16:creationId xmlns:a16="http://schemas.microsoft.com/office/drawing/2014/main" id="{3771A961-8C8E-E841-3347-EE1B631ECAAC}"/>
+                <a16:creationId xmlns:a16="http://schemas.microsoft.com/office/drawing/2014/main" id="{07F51FC7-46E1-7EA1-42C5-B19CA48EA46B}"/>
               </a:ext>
             </a:extLst>
           </p:cNvPr>
@@ -2196,7 +2196,7 @@
           <p:cNvPr id="3" name="内容占位符 2">
             <a:extLst>
               <a:ext uri="{FF2B5EF4-FFF2-40B4-BE49-F238E27FC236}">
-                <a16:creationId xmlns:a16="http://schemas.microsoft.com/office/drawing/2014/main" id="{BD3D0E92-1784-3182-A9B2-996B40F3DD08}"/>
+                <a16:creationId xmlns:a16="http://schemas.microsoft.com/office/drawing/2014/main" id="{F209C7DD-AC38-1D63-78D3-501E2FAAB1BE}"/>
               </a:ext>
             </a:extLst>
           </p:cNvPr>
@@ -2286,7 +2286,7 @@
           <p:cNvPr id="4" name="文本占位符 3">
             <a:extLst>
               <a:ext uri="{FF2B5EF4-FFF2-40B4-BE49-F238E27FC236}">
-                <a16:creationId xmlns:a16="http://schemas.microsoft.com/office/drawing/2014/main" id="{3F80B27E-FE59-771E-B9D8-66A7A143D11D}"/>
+                <a16:creationId xmlns:a16="http://schemas.microsoft.com/office/drawing/2014/main" id="{5C85695F-9A68-2496-3012-C378FEB3CC5C}"/>
               </a:ext>
             </a:extLst>
           </p:cNvPr>
@@ -2357,7 +2357,7 @@
           <p:cNvPr id="5" name="日期占位符 4">
             <a:extLst>
               <a:ext uri="{FF2B5EF4-FFF2-40B4-BE49-F238E27FC236}">
-                <a16:creationId xmlns:a16="http://schemas.microsoft.com/office/drawing/2014/main" id="{97099005-BD9E-296E-7FB7-40DE5542128A}"/>
+                <a16:creationId xmlns:a16="http://schemas.microsoft.com/office/drawing/2014/main" id="{63533A6B-A825-893D-336A-E830913BBFC0}"/>
               </a:ext>
             </a:extLst>
           </p:cNvPr>
@@ -2373,7 +2373,7 @@
           <a:bodyPr/>
           <a:lstStyle/>
           <a:p>
-            <a:fld id="{DFAF6C57-A42D-42A8-A8AB-601BEA2D9371}" type="datetimeFigureOut">
+            <a:fld id="{DDB01F30-2AB7-48BE-98E3-873F98167C8D}" type="datetimeFigureOut">
               <a:rPr lang="zh-CN" altLang="en-US" smtClean="0"/>
               <a:t>2024/3/10</a:t>
             </a:fld>
@@ -2386,7 +2386,7 @@
           <p:cNvPr id="6" name="页脚占位符 5">
             <a:extLst>
               <a:ext uri="{FF2B5EF4-FFF2-40B4-BE49-F238E27FC236}">
-                <a16:creationId xmlns:a16="http://schemas.microsoft.com/office/drawing/2014/main" id="{BE83FBD8-5305-F634-080E-A20DC8168AF3}"/>
+                <a16:creationId xmlns:a16="http://schemas.microsoft.com/office/drawing/2014/main" id="{E09C86C5-34C7-0240-5CA3-138B30A49F8A}"/>
               </a:ext>
             </a:extLst>
           </p:cNvPr>
@@ -2411,7 +2411,7 @@
           <p:cNvPr id="7" name="灯片编号占位符 6">
             <a:extLst>
               <a:ext uri="{FF2B5EF4-FFF2-40B4-BE49-F238E27FC236}">
-                <a16:creationId xmlns:a16="http://schemas.microsoft.com/office/drawing/2014/main" id="{A9CF31EF-9F95-B592-103F-08F22D280EA0}"/>
+                <a16:creationId xmlns:a16="http://schemas.microsoft.com/office/drawing/2014/main" id="{B6B7B48F-398C-6DD1-386E-DD7B4F5D1AED}"/>
               </a:ext>
             </a:extLst>
           </p:cNvPr>
@@ -2427,7 +2427,7 @@
           <a:bodyPr/>
           <a:lstStyle/>
           <a:p>
-            <a:fld id="{47D875FA-7CC1-4589-BD69-7A01DA734D66}" type="slidenum">
+            <a:fld id="{49FC9423-5997-4C44-B05B-DBEA3970A78E}" type="slidenum">
               <a:rPr lang="zh-CN" altLang="en-US" smtClean="0"/>
               <a:t>‹#›</a:t>
             </a:fld>
@@ -2438,7 +2438,7 @@
     </p:spTree>
     <p:extLst>
       <p:ext uri="{BB962C8B-B14F-4D97-AF65-F5344CB8AC3E}">
-        <p14:creationId xmlns:p14="http://schemas.microsoft.com/office/powerpoint/2010/main" val="4202347516"/>
+        <p14:creationId xmlns:p14="http://schemas.microsoft.com/office/powerpoint/2010/main" val="1403450606"/>
       </p:ext>
     </p:extLst>
   </p:cSld>
@@ -2470,7 +2470,7 @@
           <p:cNvPr id="2" name="标题 1">
             <a:extLst>
               <a:ext uri="{FF2B5EF4-FFF2-40B4-BE49-F238E27FC236}">
-                <a16:creationId xmlns:a16="http://schemas.microsoft.com/office/drawing/2014/main" id="{4C3AC6F3-9E2F-E2D1-FA5B-661D87AA479D}"/>
+                <a16:creationId xmlns:a16="http://schemas.microsoft.com/office/drawing/2014/main" id="{9517F2D9-B594-A68A-E343-3E6EC1E12F4A}"/>
               </a:ext>
             </a:extLst>
           </p:cNvPr>
@@ -2507,7 +2507,7 @@
           <p:cNvPr id="3" name="图片占位符 2">
             <a:extLst>
               <a:ext uri="{FF2B5EF4-FFF2-40B4-BE49-F238E27FC236}">
-                <a16:creationId xmlns:a16="http://schemas.microsoft.com/office/drawing/2014/main" id="{A3F73CF8-3482-0CF1-5280-DDDBCF01DB24}"/>
+                <a16:creationId xmlns:a16="http://schemas.microsoft.com/office/drawing/2014/main" id="{97791A04-4528-7134-E13E-252E27067516}"/>
               </a:ext>
             </a:extLst>
           </p:cNvPr>
@@ -2574,7 +2574,7 @@
           <p:cNvPr id="4" name="文本占位符 3">
             <a:extLst>
               <a:ext uri="{FF2B5EF4-FFF2-40B4-BE49-F238E27FC236}">
-                <a16:creationId xmlns:a16="http://schemas.microsoft.com/office/drawing/2014/main" id="{18EAC9B3-5A3A-B85F-EE0C-74911E7E365B}"/>
+                <a16:creationId xmlns:a16="http://schemas.microsoft.com/office/drawing/2014/main" id="{0E8B6725-752F-C6A7-92EA-2280B04D4C6E}"/>
               </a:ext>
             </a:extLst>
           </p:cNvPr>
@@ -2645,7 +2645,7 @@
           <p:cNvPr id="5" name="日期占位符 4">
             <a:extLst>
               <a:ext uri="{FF2B5EF4-FFF2-40B4-BE49-F238E27FC236}">
-                <a16:creationId xmlns:a16="http://schemas.microsoft.com/office/drawing/2014/main" id="{EB5160BD-5C5A-5DDC-A62B-C26FB9661F9C}"/>
+                <a16:creationId xmlns:a16="http://schemas.microsoft.com/office/drawing/2014/main" id="{A7EEE930-4316-7BD5-B096-BD19E327B8F5}"/>
               </a:ext>
             </a:extLst>
           </p:cNvPr>
@@ -2661,7 +2661,7 @@
           <a:bodyPr/>
           <a:lstStyle/>
           <a:p>
-            <a:fld id="{DFAF6C57-A42D-42A8-A8AB-601BEA2D9371}" type="datetimeFigureOut">
+            <a:fld id="{DDB01F30-2AB7-48BE-98E3-873F98167C8D}" type="datetimeFigureOut">
               <a:rPr lang="zh-CN" altLang="en-US" smtClean="0"/>
               <a:t>2024/3/10</a:t>
             </a:fld>
@@ -2674,7 +2674,7 @@
           <p:cNvPr id="6" name="页脚占位符 5">
             <a:extLst>
               <a:ext uri="{FF2B5EF4-FFF2-40B4-BE49-F238E27FC236}">
-                <a16:creationId xmlns:a16="http://schemas.microsoft.com/office/drawing/2014/main" id="{F833A3F6-BB0D-5901-312F-3B9C738F65E8}"/>
+                <a16:creationId xmlns:a16="http://schemas.microsoft.com/office/drawing/2014/main" id="{4068AC71-4CC2-9DD8-F95F-A2F2D2DE53CB}"/>
               </a:ext>
             </a:extLst>
           </p:cNvPr>
@@ -2699,7 +2699,7 @@
           <p:cNvPr id="7" name="灯片编号占位符 6">
             <a:extLst>
               <a:ext uri="{FF2B5EF4-FFF2-40B4-BE49-F238E27FC236}">
-                <a16:creationId xmlns:a16="http://schemas.microsoft.com/office/drawing/2014/main" id="{25453F84-3DB7-890E-3A41-11893FDC5A34}"/>
+                <a16:creationId xmlns:a16="http://schemas.microsoft.com/office/drawing/2014/main" id="{41CCF0E7-815F-C96A-286D-D604FE73711E}"/>
               </a:ext>
             </a:extLst>
           </p:cNvPr>
@@ -2715,7 +2715,7 @@
           <a:bodyPr/>
           <a:lstStyle/>
           <a:p>
-            <a:fld id="{47D875FA-7CC1-4589-BD69-7A01DA734D66}" type="slidenum">
+            <a:fld id="{49FC9423-5997-4C44-B05B-DBEA3970A78E}" type="slidenum">
               <a:rPr lang="zh-CN" altLang="en-US" smtClean="0"/>
               <a:t>‹#›</a:t>
             </a:fld>
@@ -2726,7 +2726,7 @@
     </p:spTree>
     <p:extLst>
       <p:ext uri="{BB962C8B-B14F-4D97-AF65-F5344CB8AC3E}">
-        <p14:creationId xmlns:p14="http://schemas.microsoft.com/office/powerpoint/2010/main" val="1611296909"/>
+        <p14:creationId xmlns:p14="http://schemas.microsoft.com/office/powerpoint/2010/main" val="4206232778"/>
       </p:ext>
     </p:extLst>
   </p:cSld>
@@ -2763,7 +2763,7 @@
           <p:cNvPr id="2" name="标题占位符 1">
             <a:extLst>
               <a:ext uri="{FF2B5EF4-FFF2-40B4-BE49-F238E27FC236}">
-                <a16:creationId xmlns:a16="http://schemas.microsoft.com/office/drawing/2014/main" id="{9EBED214-43C3-44AE-B779-EE6BE96D64CF}"/>
+                <a16:creationId xmlns:a16="http://schemas.microsoft.com/office/drawing/2014/main" id="{3D6546DF-061C-BA1A-EA3F-B6CD84509BB4}"/>
               </a:ext>
             </a:extLst>
           </p:cNvPr>
@@ -2801,7 +2801,7 @@
           <p:cNvPr id="3" name="文本占位符 2">
             <a:extLst>
               <a:ext uri="{FF2B5EF4-FFF2-40B4-BE49-F238E27FC236}">
-                <a16:creationId xmlns:a16="http://schemas.microsoft.com/office/drawing/2014/main" id="{4F6C03CA-6187-FE06-B4F6-85FE839575FA}"/>
+                <a16:creationId xmlns:a16="http://schemas.microsoft.com/office/drawing/2014/main" id="{BF6AD61A-2860-063A-89CC-21115431329B}"/>
               </a:ext>
             </a:extLst>
           </p:cNvPr>
@@ -2868,7 +2868,7 @@
           <p:cNvPr id="4" name="日期占位符 3">
             <a:extLst>
               <a:ext uri="{FF2B5EF4-FFF2-40B4-BE49-F238E27FC236}">
-                <a16:creationId xmlns:a16="http://schemas.microsoft.com/office/drawing/2014/main" id="{056A9963-F0AE-1D37-C481-B01D3AF7B8DD}"/>
+                <a16:creationId xmlns:a16="http://schemas.microsoft.com/office/drawing/2014/main" id="{AA3BE9B5-0EFC-B06B-2935-327504E69A5F}"/>
               </a:ext>
             </a:extLst>
           </p:cNvPr>
@@ -2902,7 +2902,7 @@
             </a:lvl1pPr>
           </a:lstStyle>
           <a:p>
-            <a:fld id="{DFAF6C57-A42D-42A8-A8AB-601BEA2D9371}" type="datetimeFigureOut">
+            <a:fld id="{DDB01F30-2AB7-48BE-98E3-873F98167C8D}" type="datetimeFigureOut">
               <a:rPr lang="zh-CN" altLang="en-US" smtClean="0"/>
               <a:t>2024/3/10</a:t>
             </a:fld>
@@ -2915,7 +2915,7 @@
           <p:cNvPr id="5" name="页脚占位符 4">
             <a:extLst>
               <a:ext uri="{FF2B5EF4-FFF2-40B4-BE49-F238E27FC236}">
-                <a16:creationId xmlns:a16="http://schemas.microsoft.com/office/drawing/2014/main" id="{5CF31EA8-6DE7-220E-95AF-E3587604E42B}"/>
+                <a16:creationId xmlns:a16="http://schemas.microsoft.com/office/drawing/2014/main" id="{8E2349A2-FBD2-45BA-FBCE-7539B484705A}"/>
               </a:ext>
             </a:extLst>
           </p:cNvPr>
@@ -2958,7 +2958,7 @@
           <p:cNvPr id="6" name="灯片编号占位符 5">
             <a:extLst>
               <a:ext uri="{FF2B5EF4-FFF2-40B4-BE49-F238E27FC236}">
-                <a16:creationId xmlns:a16="http://schemas.microsoft.com/office/drawing/2014/main" id="{561A9D0E-4FC9-1086-6A0E-DB4C7BF8DFD1}"/>
+                <a16:creationId xmlns:a16="http://schemas.microsoft.com/office/drawing/2014/main" id="{E068AD5C-9E4A-614A-87F0-5DE480B08367}"/>
               </a:ext>
             </a:extLst>
           </p:cNvPr>
@@ -2992,7 +2992,7 @@
             </a:lvl1pPr>
           </a:lstStyle>
           <a:p>
-            <a:fld id="{47D875FA-7CC1-4589-BD69-7A01DA734D66}" type="slidenum">
+            <a:fld id="{49FC9423-5997-4C44-B05B-DBEA3970A78E}" type="slidenum">
               <a:rPr lang="zh-CN" altLang="en-US" smtClean="0"/>
               <a:t>‹#›</a:t>
             </a:fld>
@@ -3003,7 +3003,7 @@
     </p:spTree>
     <p:extLst>
       <p:ext uri="{BB962C8B-B14F-4D97-AF65-F5344CB8AC3E}">
-        <p14:creationId xmlns:p14="http://schemas.microsoft.com/office/powerpoint/2010/main" val="901880317"/>
+        <p14:creationId xmlns:p14="http://schemas.microsoft.com/office/powerpoint/2010/main" val="1113314134"/>
       </p:ext>
     </p:extLst>
   </p:cSld>
